--- a/presentations/20241116-UMichRelativity.pptx
+++ b/presentations/20241116-UMichRelativity.pptx
@@ -205,7 +205,7 @@
           <a:p>
             <a:fld id="{E119C704-B8F9-449B-B828-36D786A1FE73}" type="datetimeFigureOut">
               <a:rPr lang="en-US" smtClean="0"/>
-              <a:t>11/16/2024</a:t>
+              <a:t>7/7/2025</a:t>
             </a:fld>
             <a:endParaRPr lang="en-US"/>
           </a:p>
@@ -619,7 +619,7 @@
           <a:p>
             <a:fld id="{E0B11630-2B34-4908-BEF4-EB78E022DB1C}" type="datetime1">
               <a:rPr lang="en-US" smtClean="0"/>
-              <a:t>11/16/2024</a:t>
+              <a:t>7/7/2025</a:t>
             </a:fld>
             <a:endParaRPr lang="en-US"/>
           </a:p>
@@ -820,7 +820,7 @@
           <a:p>
             <a:fld id="{387BF9D4-29AD-466E-A391-02402EDAE42F}" type="datetime1">
               <a:rPr lang="en-US" smtClean="0"/>
-              <a:t>11/16/2024</a:t>
+              <a:t>7/7/2025</a:t>
             </a:fld>
             <a:endParaRPr lang="en-US"/>
           </a:p>
@@ -1031,7 +1031,7 @@
           <a:p>
             <a:fld id="{648D9107-927D-484B-A7AB-88A499AE44E2}" type="datetime1">
               <a:rPr lang="en-US" smtClean="0"/>
-              <a:t>11/16/2024</a:t>
+              <a:t>7/7/2025</a:t>
             </a:fld>
             <a:endParaRPr lang="en-US"/>
           </a:p>
@@ -1260,7 +1260,7 @@
           <a:p>
             <a:fld id="{EFAB04E2-9F90-4630-A58E-2CB0DC98AA26}" type="datetime1">
               <a:rPr lang="en-US" smtClean="0"/>
-              <a:t>11/16/2024</a:t>
+              <a:t>7/7/2025</a:t>
             </a:fld>
             <a:endParaRPr lang="en-US" dirty="0"/>
           </a:p>
@@ -1510,7 +1510,7 @@
           <a:p>
             <a:fld id="{F5A8CA0B-3B6F-44E2-9EEB-AC0130F2C046}" type="datetime1">
               <a:rPr lang="en-US" smtClean="0"/>
-              <a:t>11/16/2024</a:t>
+              <a:t>7/7/2025</a:t>
             </a:fld>
             <a:endParaRPr lang="en-US"/>
           </a:p>
@@ -1778,7 +1778,7 @@
           <a:p>
             <a:fld id="{20E2AA5F-3EF9-4E06-B3CE-6C2E207B55EE}" type="datetime1">
               <a:rPr lang="en-US" smtClean="0"/>
-              <a:t>11/16/2024</a:t>
+              <a:t>7/7/2025</a:t>
             </a:fld>
             <a:endParaRPr lang="en-US"/>
           </a:p>
@@ -2193,7 +2193,7 @@
           <a:p>
             <a:fld id="{22E97483-0FA4-4F24-8BF3-688AFB30742E}" type="datetime1">
               <a:rPr lang="en-US" smtClean="0"/>
-              <a:t>11/16/2024</a:t>
+              <a:t>7/7/2025</a:t>
             </a:fld>
             <a:endParaRPr lang="en-US"/>
           </a:p>
@@ -2337,7 +2337,7 @@
           <a:p>
             <a:fld id="{330F5AA8-5B5A-4B95-B863-C5AE519BC526}" type="datetime1">
               <a:rPr lang="en-US" smtClean="0"/>
-              <a:t>11/16/2024</a:t>
+              <a:t>7/7/2025</a:t>
             </a:fld>
             <a:endParaRPr lang="en-US"/>
           </a:p>
@@ -2453,7 +2453,7 @@
           <a:p>
             <a:fld id="{FB7378E6-0C40-4881-A31F-C907A1DD3BB3}" type="datetime1">
               <a:rPr lang="en-US" smtClean="0"/>
-              <a:t>11/16/2024</a:t>
+              <a:t>7/7/2025</a:t>
             </a:fld>
             <a:endParaRPr lang="en-US" dirty="0"/>
           </a:p>
@@ -2768,7 +2768,7 @@
           <a:p>
             <a:fld id="{E1EBF0BB-5ADC-4A55-85F1-8802EFA22785}" type="datetime1">
               <a:rPr lang="en-US" smtClean="0"/>
-              <a:t>11/16/2024</a:t>
+              <a:t>7/7/2025</a:t>
             </a:fld>
             <a:endParaRPr lang="en-US"/>
           </a:p>
@@ -3059,7 +3059,7 @@
           <a:p>
             <a:fld id="{821E1DBF-CA1B-4AAA-92EF-160E85459000}" type="datetime1">
               <a:rPr lang="en-US" smtClean="0"/>
-              <a:t>11/16/2024</a:t>
+              <a:t>7/7/2025</a:t>
             </a:fld>
             <a:endParaRPr lang="en-US"/>
           </a:p>
@@ -3303,7 +3303,7 @@
           <a:p>
             <a:fld id="{90870D6F-783D-4646-8F3F-00D8F3F0566D}" type="datetime1">
               <a:rPr lang="en-US" smtClean="0"/>
-              <a:t>11/16/2024</a:t>
+              <a:t>7/7/2025</a:t>
             </a:fld>
             <a:endParaRPr lang="en-US" dirty="0"/>
           </a:p>
@@ -22419,8 +22419,8 @@
           </p:sp>
         </mc:Fallback>
       </mc:AlternateContent>
-      <mc:AlternateContent xmlns:mc="http://schemas.openxmlformats.org/markup-compatibility/2006">
-        <mc:Choice xmlns:a14="http://schemas.microsoft.com/office/drawing/2010/main" Requires="a14">
+      <mc:AlternateContent xmlns:mc="http://schemas.openxmlformats.org/markup-compatibility/2006" xmlns:a14="http://schemas.microsoft.com/office/drawing/2010/main">
+        <mc:Choice Requires="a14">
           <p:sp>
             <p:nvSpPr>
               <p:cNvPr id="25" name="TextBox 24">
@@ -22588,7 +22588,7 @@
             </p:txBody>
           </p:sp>
         </mc:Choice>
-        <mc:Fallback>
+        <mc:Fallback xmlns="">
           <p:sp>
             <p:nvSpPr>
               <p:cNvPr id="25" name="TextBox 24">
@@ -22633,8 +22633,8 @@
           </p:sp>
         </mc:Fallback>
       </mc:AlternateContent>
-      <mc:AlternateContent xmlns:mc="http://schemas.openxmlformats.org/markup-compatibility/2006">
-        <mc:Choice xmlns:a14="http://schemas.microsoft.com/office/drawing/2010/main" Requires="a14">
+      <mc:AlternateContent xmlns:mc="http://schemas.openxmlformats.org/markup-compatibility/2006" xmlns:a14="http://schemas.microsoft.com/office/drawing/2010/main">
+        <mc:Choice Requires="a14">
           <p:sp>
             <p:nvSpPr>
               <p:cNvPr id="27" name="TextBox 26">
@@ -22685,7 +22685,7 @@
             </p:txBody>
           </p:sp>
         </mc:Choice>
-        <mc:Fallback>
+        <mc:Fallback xmlns="">
           <p:sp>
             <p:nvSpPr>
               <p:cNvPr id="27" name="TextBox 26">
@@ -23235,6 +23235,97 @@
           </a:p>
         </p:txBody>
       </p:sp>
+      <p:grpSp>
+        <p:nvGrpSpPr>
+          <p:cNvPr id="4" name="Group 3">
+            <a:extLst>
+              <a:ext uri="{FF2B5EF4-FFF2-40B4-BE49-F238E27FC236}">
+                <a16:creationId xmlns:a16="http://schemas.microsoft.com/office/drawing/2014/main" id="{347D6C0E-174C-E9A4-B784-3BD145B0CBB6}"/>
+              </a:ext>
+            </a:extLst>
+          </p:cNvPr>
+          <p:cNvGrpSpPr/>
+          <p:nvPr/>
+        </p:nvGrpSpPr>
+        <p:grpSpPr>
+          <a:xfrm>
+            <a:off x="10883690" y="156772"/>
+            <a:ext cx="939556" cy="1474361"/>
+            <a:chOff x="11515366" y="5256226"/>
+            <a:chExt cx="3037505" cy="4652874"/>
+          </a:xfrm>
+        </p:grpSpPr>
+        <p:pic>
+          <p:nvPicPr>
+            <p:cNvPr id="7" name="Picture 6">
+              <a:extLst>
+                <a:ext uri="{FF2B5EF4-FFF2-40B4-BE49-F238E27FC236}">
+                  <a16:creationId xmlns:a16="http://schemas.microsoft.com/office/drawing/2014/main" id="{FAAE8DCE-4077-5565-0B2E-1E6F6780023E}"/>
+                </a:ext>
+              </a:extLst>
+            </p:cNvPr>
+            <p:cNvPicPr>
+              <a:picLocks noChangeAspect="1"/>
+            </p:cNvPicPr>
+            <p:nvPr/>
+          </p:nvPicPr>
+          <p:blipFill rotWithShape="1">
+            <a:blip r:embed="rId15">
+              <a:extLst>
+                <a:ext uri="{28A0092B-C50C-407E-A947-70E740481C1C}">
+                  <a14:useLocalDpi xmlns:a14="http://schemas.microsoft.com/office/drawing/2010/main" val="0"/>
+                </a:ext>
+              </a:extLst>
+            </a:blip>
+            <a:srcRect l="26919"/>
+            <a:stretch/>
+          </p:blipFill>
+          <p:spPr>
+            <a:xfrm>
+              <a:off x="11515366" y="8147942"/>
+              <a:ext cx="3037505" cy="1761158"/>
+            </a:xfrm>
+            <a:prstGeom prst="rect">
+              <a:avLst/>
+            </a:prstGeom>
+          </p:spPr>
+        </p:pic>
+        <p:pic>
+          <p:nvPicPr>
+            <p:cNvPr id="8" name="Picture 7">
+              <a:extLst>
+                <a:ext uri="{FF2B5EF4-FFF2-40B4-BE49-F238E27FC236}">
+                  <a16:creationId xmlns:a16="http://schemas.microsoft.com/office/drawing/2014/main" id="{71EAA015-2BF3-7CE3-9440-EA2020C24209}"/>
+                </a:ext>
+              </a:extLst>
+            </p:cNvPr>
+            <p:cNvPicPr>
+              <a:picLocks noChangeAspect="1"/>
+            </p:cNvPicPr>
+            <p:nvPr/>
+          </p:nvPicPr>
+          <p:blipFill rotWithShape="1">
+            <a:blip r:embed="rId15">
+              <a:extLst>
+                <a:ext uri="{28A0092B-C50C-407E-A947-70E740481C1C}">
+                  <a14:useLocalDpi xmlns:a14="http://schemas.microsoft.com/office/drawing/2010/main" val="0"/>
+                </a:ext>
+              </a:extLst>
+            </a:blip>
+            <a:srcRect r="72464"/>
+            <a:stretch/>
+          </p:blipFill>
+          <p:spPr>
+            <a:xfrm>
+              <a:off x="11778154" y="5256226"/>
+              <a:ext cx="2511928" cy="3865347"/>
+            </a:xfrm>
+            <a:prstGeom prst="rect">
+              <a:avLst/>
+            </a:prstGeom>
+          </p:spPr>
+        </p:pic>
+      </p:grpSp>
     </p:spTree>
     <p:extLst>
       <p:ext uri="{BB962C8B-B14F-4D97-AF65-F5344CB8AC3E}">
